--- a/lectures3/gr/Pythonlearn-10-Tuples.pptx
+++ b/lectures3/gr/Pythonlearn-10-Tuples.pptx
@@ -23,7 +23,7 @@
     <p:sldId id="268" r:id="rId14"/>
     <p:sldId id="269" r:id="rId15"/>
     <p:sldId id="270" r:id="rId16"/>
-    <p:sldId id="302" r:id="rId17"/>
+    <p:sldId id="320" r:id="rId17"/>
   </p:sldIdLst>
   <p:sldSz cx="16256000" cy="9144000"/>
   <p:notesSz cx="6858000" cy="9144000"/>
@@ -7749,7 +7749,7 @@
               <a:buNone/>
             </a:pPr>
             <a:r>
-              <a:rPr lang="en-US" sz="3000" dirty="0" err="1">
+              <a:rPr lang="el-GR" sz="3000" dirty="0">
                 <a:solidFill>
                   <a:srgbClr val="00FF00"/>
                 </a:solidFill>
@@ -7758,7 +7758,7 @@
                 <a:cs typeface="Courier"/>
                 <a:sym typeface="Courier New"/>
               </a:rPr>
-              <a:t>plithos</a:t>
+              <a:t>πλήθος</a:t>
             </a:r>
             <a:r>
               <a:rPr lang="en-US" sz="3000" i="0" u="none" strike="noStrike" cap="none" dirty="0">
@@ -7837,7 +7837,7 @@
               <a:t> </a:t>
             </a:r>
             <a:r>
-              <a:rPr lang="en-US" sz="3000" i="0" u="none" strike="noStrike" cap="none" dirty="0" err="1">
+              <a:rPr lang="el-GR" sz="3000" dirty="0">
                 <a:solidFill>
                   <a:srgbClr val="00FF00"/>
                 </a:solidFill>
@@ -7846,7 +7846,7 @@
                 <a:cs typeface="Courier"/>
                 <a:sym typeface="Courier New"/>
               </a:rPr>
-              <a:t>grammi</a:t>
+              <a:t>γραμμή</a:t>
             </a:r>
             <a:r>
               <a:rPr lang="en-US" sz="3000" i="0" u="none" strike="noStrike" cap="none" dirty="0">
@@ -7940,7 +7940,7 @@
               <a:t>    </a:t>
             </a:r>
             <a:r>
-              <a:rPr lang="en-US" sz="3000" i="0" u="none" strike="noStrike" cap="none" dirty="0" err="1">
+              <a:rPr lang="el-GR" sz="3000" i="0" u="none" strike="noStrike" cap="none" dirty="0">
                 <a:solidFill>
                   <a:srgbClr val="00FF00"/>
                 </a:solidFill>
@@ -7949,7 +7949,7 @@
                 <a:cs typeface="Courier"/>
                 <a:sym typeface="Courier New"/>
               </a:rPr>
-              <a:t>lexi</a:t>
+              <a:t>λέξεις</a:t>
             </a:r>
             <a:r>
               <a:rPr lang="en-US" sz="3000" i="0" u="none" strike="noStrike" cap="none" dirty="0">
@@ -7964,7 +7964,7 @@
               <a:t> = </a:t>
             </a:r>
             <a:r>
-              <a:rPr lang="en-US" sz="3000" i="0" u="none" strike="noStrike" cap="none" dirty="0" err="1">
+              <a:rPr lang="el-GR" sz="3000" dirty="0">
                 <a:solidFill>
                   <a:srgbClr val="00FF00"/>
                 </a:solidFill>
@@ -7973,10 +7973,10 @@
                 <a:cs typeface="Courier"/>
                 <a:sym typeface="Courier New"/>
               </a:rPr>
-              <a:t>grammi</a:t>
-            </a:r>
-            <a:r>
-              <a:rPr lang="en-US" sz="3000" i="0" u="none" strike="noStrike" cap="none" dirty="0" err="1">
+              <a:t>γραμμή</a:t>
+            </a:r>
+            <a:r>
+              <a:rPr lang="en-US" sz="3000" i="0" u="none" strike="noStrike" cap="none" dirty="0">
                 <a:solidFill>
                   <a:srgbClr val="FF00FF"/>
                 </a:solidFill>
@@ -8055,7 +8055,7 @@
               <a:t> </a:t>
             </a:r>
             <a:r>
-              <a:rPr lang="en-US" sz="3000" i="0" u="none" strike="noStrike" cap="none" dirty="0" err="1">
+              <a:rPr lang="el-GR" sz="3000" i="0" u="none" strike="noStrike" cap="none" dirty="0">
                 <a:solidFill>
                   <a:srgbClr val="00FF00"/>
                 </a:solidFill>
@@ -8064,7 +8064,7 @@
                 <a:cs typeface="Courier"/>
                 <a:sym typeface="Courier New"/>
               </a:rPr>
-              <a:t>lexi</a:t>
+              <a:t>λέξη</a:t>
             </a:r>
             <a:r>
               <a:rPr lang="en-US" sz="3000" i="0" u="none" strike="noStrike" cap="none" dirty="0">
@@ -8158,19 +8158,19 @@
               <a:buNone/>
             </a:pPr>
             <a:r>
-              <a:rPr lang="en-US" sz="3000" i="0" u="none" strike="noStrike" cap="none" dirty="0">
-                <a:solidFill>
-                  <a:schemeClr val="lt1"/>
-                </a:solidFill>
-                <a:latin typeface="Courier"/>
-                <a:ea typeface="Courier New"/>
-                <a:cs typeface="Courier"/>
-                <a:sym typeface="Courier New"/>
-              </a:rPr>
-              <a:t>        </a:t>
-            </a:r>
-            <a:r>
-              <a:rPr lang="en-US" sz="3000" dirty="0" err="1">
+              <a:rPr lang="el-GR" sz="3000" i="0" u="none" strike="noStrike" cap="none" dirty="0">
+                <a:solidFill>
+                  <a:schemeClr val="lt1"/>
+                </a:solidFill>
+                <a:latin typeface="Courier"/>
+                <a:ea typeface="Courier New"/>
+                <a:cs typeface="Courier"/>
+                <a:sym typeface="Courier New"/>
+              </a:rPr>
+              <a:t>		</a:t>
+            </a:r>
+            <a:r>
+              <a:rPr lang="el-GR" sz="3000" dirty="0">
                 <a:solidFill>
                   <a:srgbClr val="00FF00"/>
                 </a:solidFill>
@@ -8179,7 +8179,7 @@
                 <a:cs typeface="Courier"/>
                 <a:sym typeface="Courier New"/>
               </a:rPr>
-              <a:t>plithos</a:t>
+              <a:t>πλήθος</a:t>
             </a:r>
             <a:r>
               <a:rPr lang="en-US" sz="3000" i="0" u="none" strike="noStrike" cap="none" dirty="0">
@@ -8194,7 +8194,7 @@
               <a:t>[</a:t>
             </a:r>
             <a:r>
-              <a:rPr lang="en-US" sz="3000" i="0" u="none" strike="noStrike" cap="none" dirty="0" err="1">
+              <a:rPr lang="el-GR" sz="3000" i="0" u="none" strike="noStrike" cap="none" dirty="0">
                 <a:solidFill>
                   <a:srgbClr val="00FFFF"/>
                 </a:solidFill>
@@ -8203,7 +8203,7 @@
                 <a:cs typeface="Courier"/>
                 <a:sym typeface="Courier New"/>
               </a:rPr>
-              <a:t>lexi</a:t>
+              <a:t>λέξη</a:t>
             </a:r>
             <a:r>
               <a:rPr lang="en-US" sz="3000" i="0" u="none" strike="noStrike" cap="none" dirty="0">
@@ -8230,7 +8230,7 @@
               <a:t> = </a:t>
             </a:r>
             <a:r>
-              <a:rPr lang="en-US" sz="3000" dirty="0" err="1">
+              <a:rPr lang="el-GR" sz="3000" dirty="0">
                 <a:solidFill>
                   <a:srgbClr val="00FF00"/>
                 </a:solidFill>
@@ -8239,10 +8239,10 @@
                 <a:cs typeface="Courier"/>
                 <a:sym typeface="Courier New"/>
               </a:rPr>
-              <a:t>plithos</a:t>
-            </a:r>
-            <a:r>
-              <a:rPr lang="en-US" sz="3000" i="0" u="none" strike="noStrike" cap="none" dirty="0" err="1">
+              <a:t>πλήθος</a:t>
+            </a:r>
+            <a:r>
+              <a:rPr lang="en-US" sz="3000" i="0" u="none" strike="noStrike" cap="none" dirty="0">
                 <a:solidFill>
                   <a:srgbClr val="FF00FF"/>
                 </a:solidFill>
@@ -8266,7 +8266,7 @@
               <a:t>(</a:t>
             </a:r>
             <a:r>
-              <a:rPr lang="en-US" sz="3000" i="0" u="none" strike="noStrike" cap="none" dirty="0" err="1">
+              <a:rPr lang="el-GR" sz="3000" i="0" u="none" strike="noStrike" cap="none" dirty="0">
                 <a:solidFill>
                   <a:srgbClr val="00FFFF"/>
                 </a:solidFill>
@@ -8275,7 +8275,7 @@
                 <a:cs typeface="Courier"/>
                 <a:sym typeface="Courier New"/>
               </a:rPr>
-              <a:t>lexi</a:t>
+              <a:t>λέξη</a:t>
             </a:r>
             <a:r>
               <a:rPr lang="en-US" sz="3000" i="0" u="none" strike="noStrike" cap="none" dirty="0">
@@ -8424,7 +8424,7 @@
               <a:t> </a:t>
             </a:r>
             <a:r>
-              <a:rPr lang="en-US" sz="3000" i="0" u="none" strike="noStrike" cap="none" dirty="0" err="1">
+              <a:rPr lang="el-GR" sz="3000" i="0" u="none" strike="noStrike" cap="none" dirty="0">
                 <a:solidFill>
                   <a:srgbClr val="FF7F00"/>
                 </a:solidFill>
@@ -8433,7 +8433,7 @@
                 <a:cs typeface="Courier"/>
                 <a:sym typeface="Courier New"/>
               </a:rPr>
-              <a:t>kleidi</a:t>
+              <a:t>κλειδί</a:t>
             </a:r>
             <a:r>
               <a:rPr lang="en-US" sz="3000" i="0" u="none" strike="noStrike" cap="none" dirty="0">
@@ -8448,7 +8448,7 @@
               <a:t>, </a:t>
             </a:r>
             <a:r>
-              <a:rPr lang="en-US" sz="3000" i="0" u="none" strike="noStrike" cap="none" dirty="0" err="1">
+              <a:rPr lang="el-GR" sz="3000" i="0" u="none" strike="noStrike" cap="none" dirty="0">
                 <a:solidFill>
                   <a:srgbClr val="FF7F00"/>
                 </a:solidFill>
@@ -8457,7 +8457,7 @@
                 <a:cs typeface="Courier"/>
                 <a:sym typeface="Courier New"/>
               </a:rPr>
-              <a:t>timi</a:t>
+              <a:t>τιμή</a:t>
             </a:r>
             <a:r>
               <a:rPr lang="en-US" sz="3000" i="0" u="none" strike="noStrike" cap="none" dirty="0">
@@ -8496,7 +8496,7 @@
               <a:t> </a:t>
             </a:r>
             <a:r>
-              <a:rPr lang="en-US" sz="3000" dirty="0" err="1">
+              <a:rPr lang="el-GR" sz="3000" dirty="0">
                 <a:solidFill>
                   <a:srgbClr val="00FF00"/>
                 </a:solidFill>
@@ -8505,10 +8505,10 @@
                 <a:cs typeface="Courier"/>
                 <a:sym typeface="Courier New"/>
               </a:rPr>
-              <a:t>plithos</a:t>
-            </a:r>
-            <a:r>
-              <a:rPr lang="en-US" sz="3000" i="0" u="none" strike="noStrike" cap="none" dirty="0" err="1">
+              <a:t>πλήθος</a:t>
+            </a:r>
+            <a:r>
+              <a:rPr lang="en-US" sz="3000" i="0" u="none" strike="noStrike" cap="none" dirty="0">
                 <a:solidFill>
                   <a:srgbClr val="FF00FF"/>
                 </a:solidFill>
@@ -8552,7 +8552,7 @@
               <a:t>	</a:t>
             </a:r>
             <a:r>
-              <a:rPr lang="en-US" sz="3000" dirty="0" err="1">
+              <a:rPr lang="el-GR" sz="3000" dirty="0" err="1">
                 <a:solidFill>
                   <a:srgbClr val="00FA00"/>
                 </a:solidFill>
@@ -8561,7 +8561,7 @@
                 <a:cs typeface="Courier"/>
                 <a:sym typeface="Courier New"/>
               </a:rPr>
-              <a:t>neapl</a:t>
+              <a:t>νεαπλ</a:t>
             </a:r>
             <a:r>
               <a:rPr lang="en-US" sz="3000" dirty="0">
@@ -8600,7 +8600,7 @@
               <a:t>(</a:t>
             </a:r>
             <a:r>
-              <a:rPr lang="en-US" sz="3000" i="0" u="none" strike="noStrike" cap="none" dirty="0" err="1">
+              <a:rPr lang="el-GR" sz="3000" i="0" u="none" strike="noStrike" cap="none" dirty="0">
                 <a:solidFill>
                   <a:srgbClr val="FF7F00"/>
                 </a:solidFill>
@@ -8609,7 +8609,7 @@
                 <a:cs typeface="Courier"/>
                 <a:sym typeface="Courier New"/>
               </a:rPr>
-              <a:t>timi</a:t>
+              <a:t>τιμή</a:t>
             </a:r>
             <a:r>
               <a:rPr lang="en-US" sz="3000" dirty="0">
@@ -8624,7 +8624,7 @@
               <a:t>, </a:t>
             </a:r>
             <a:r>
-              <a:rPr lang="en-US" sz="3000" i="0" u="none" strike="noStrike" cap="none" dirty="0" err="1">
+              <a:rPr lang="el-GR" sz="3000" i="0" u="none" strike="noStrike" cap="none" dirty="0">
                 <a:solidFill>
                   <a:srgbClr val="FF7F00"/>
                 </a:solidFill>
@@ -8633,7 +8633,7 @@
                 <a:cs typeface="Courier"/>
                 <a:sym typeface="Courier New"/>
               </a:rPr>
-              <a:t>kleidi</a:t>
+              <a:t>κλειδί</a:t>
             </a:r>
             <a:r>
               <a:rPr lang="en-US" sz="3000" dirty="0">
@@ -8736,7 +8736,7 @@
               <a:t>(</a:t>
             </a:r>
             <a:r>
-              <a:rPr lang="en-US" sz="3000" dirty="0" err="1">
+              <a:rPr lang="el-GR" sz="3000" dirty="0" err="1">
                 <a:solidFill>
                   <a:srgbClr val="00FA00"/>
                 </a:solidFill>
@@ -8745,7 +8745,7 @@
                 <a:cs typeface="Courier"/>
                 <a:sym typeface="Courier New"/>
               </a:rPr>
-              <a:t>neapl</a:t>
+              <a:t>νεαπλ</a:t>
             </a:r>
             <a:r>
               <a:rPr lang="en-US" sz="3000" i="0" u="none" strike="noStrike" cap="none" dirty="0">
@@ -8937,21 +8937,161 @@
               <a:t> </a:t>
             </a:r>
             <a:r>
+              <a:rPr lang="el-GR" sz="3000" i="0" u="none" strike="noStrike" cap="none" dirty="0">
+                <a:solidFill>
+                  <a:srgbClr val="FF7F00"/>
+                </a:solidFill>
+                <a:latin typeface="Courier"/>
+                <a:ea typeface="Courier New"/>
+                <a:cs typeface="Courier"/>
+                <a:sym typeface="Courier New"/>
+              </a:rPr>
+              <a:t>τιμή</a:t>
+            </a:r>
+            <a:r>
+              <a:rPr lang="en-US" sz="3000" i="0" u="none" strike="noStrike" cap="none" dirty="0">
+                <a:solidFill>
+                  <a:srgbClr val="FF7F00"/>
+                </a:solidFill>
+                <a:latin typeface="Courier"/>
+                <a:ea typeface="Courier New"/>
+                <a:cs typeface="Courier"/>
+                <a:sym typeface="Courier New"/>
+              </a:rPr>
+              <a:t>, </a:t>
+            </a:r>
+            <a:r>
+              <a:rPr lang="el-GR" sz="3000" i="0" u="none" strike="noStrike" cap="none" dirty="0">
+                <a:solidFill>
+                  <a:srgbClr val="FF7F00"/>
+                </a:solidFill>
+                <a:latin typeface="Courier"/>
+                <a:ea typeface="Courier New"/>
+                <a:cs typeface="Courier"/>
+                <a:sym typeface="Courier New"/>
+              </a:rPr>
+              <a:t>κλειδί</a:t>
+            </a:r>
+            <a:r>
+              <a:rPr lang="en-US" sz="3000" i="0" u="none" strike="noStrike" cap="none" dirty="0">
+                <a:solidFill>
+                  <a:schemeClr val="lt1"/>
+                </a:solidFill>
+                <a:latin typeface="Courier"/>
+                <a:ea typeface="Courier New"/>
+                <a:cs typeface="Courier"/>
+                <a:sym typeface="Courier New"/>
+              </a:rPr>
+              <a:t> </a:t>
+            </a:r>
+            <a:r>
+              <a:rPr lang="en-US" sz="3000" i="0" u="none" strike="noStrike" cap="none" dirty="0">
+                <a:solidFill>
+                  <a:srgbClr val="FFFF00"/>
+                </a:solidFill>
+                <a:latin typeface="Courier"/>
+                <a:ea typeface="Courier New"/>
+                <a:cs typeface="Courier"/>
+                <a:sym typeface="Courier New"/>
+              </a:rPr>
+              <a:t>in</a:t>
+            </a:r>
+            <a:r>
+              <a:rPr lang="en-US" sz="3000" i="0" u="none" strike="noStrike" cap="none" dirty="0">
+                <a:solidFill>
+                  <a:schemeClr val="lt1"/>
+                </a:solidFill>
+                <a:latin typeface="Courier"/>
+                <a:ea typeface="Courier New"/>
+                <a:cs typeface="Courier"/>
+                <a:sym typeface="Courier New"/>
+              </a:rPr>
+              <a:t> </a:t>
+            </a:r>
+            <a:r>
               <a:rPr lang="en-US" sz="3000" i="0" u="none" strike="noStrike" cap="none" dirty="0" err="1">
                 <a:solidFill>
-                  <a:srgbClr val="FF7F00"/>
-                </a:solidFill>
-                <a:latin typeface="Courier"/>
-                <a:ea typeface="Courier New"/>
-                <a:cs typeface="Courier"/>
-                <a:sym typeface="Courier New"/>
-              </a:rPr>
-              <a:t>timi</a:t>
-            </a:r>
-            <a:r>
-              <a:rPr lang="en-US" sz="3000" i="0" u="none" strike="noStrike" cap="none" dirty="0">
-                <a:solidFill>
-                  <a:srgbClr val="FF7F00"/>
+                  <a:srgbClr val="FF00FF"/>
+                </a:solidFill>
+                <a:latin typeface="Courier"/>
+                <a:ea typeface="Courier New"/>
+                <a:cs typeface="Courier"/>
+                <a:sym typeface="Courier New"/>
+              </a:rPr>
+              <a:t>lst</a:t>
+            </a:r>
+            <a:r>
+              <a:rPr lang="en-US" sz="3000" i="0" u="none" strike="noStrike" cap="none" dirty="0">
+                <a:solidFill>
+                  <a:srgbClr val="00FFFF"/>
+                </a:solidFill>
+                <a:latin typeface="Courier"/>
+                <a:ea typeface="Courier New"/>
+                <a:cs typeface="Courier"/>
+                <a:sym typeface="Courier New"/>
+              </a:rPr>
+              <a:t>[:10]</a:t>
+            </a:r>
+            <a:r>
+              <a:rPr lang="en-US" sz="3000" i="0" u="none" strike="noStrike" cap="none" dirty="0">
+                <a:solidFill>
+                  <a:schemeClr val="lt1"/>
+                </a:solidFill>
+                <a:latin typeface="Courier"/>
+                <a:ea typeface="Courier New"/>
+                <a:cs typeface="Courier"/>
+                <a:sym typeface="Courier New"/>
+              </a:rPr>
+              <a:t> :</a:t>
+            </a:r>
+          </a:p>
+          <a:p>
+            <a:pPr lvl="0">
+              <a:buClr>
+                <a:schemeClr val="lt1"/>
+              </a:buClr>
+              <a:buSzPct val="25000"/>
+            </a:pPr>
+            <a:r>
+              <a:rPr lang="en-US" sz="3000" i="0" u="none" strike="noStrike" cap="none" dirty="0">
+                <a:solidFill>
+                  <a:schemeClr val="lt1"/>
+                </a:solidFill>
+                <a:latin typeface="Courier"/>
+                <a:ea typeface="Courier New"/>
+                <a:cs typeface="Courier"/>
+                <a:sym typeface="Courier New"/>
+              </a:rPr>
+              <a:t>    </a:t>
+            </a:r>
+            <a:r>
+              <a:rPr lang="en-US" sz="3000" i="0" u="none" strike="noStrike" cap="none" dirty="0">
+                <a:solidFill>
+                  <a:srgbClr val="FFFF00"/>
+                </a:solidFill>
+                <a:latin typeface="Courier"/>
+                <a:ea typeface="Courier New"/>
+                <a:cs typeface="Courier"/>
+                <a:sym typeface="Courier New"/>
+              </a:rPr>
+              <a:t>print(</a:t>
+            </a:r>
+            <a:r>
+              <a:rPr lang="el-GR" sz="3000" i="0" u="none" strike="noStrike" cap="none" dirty="0">
+                <a:solidFill>
+                  <a:srgbClr val="00FF00"/>
+                </a:solidFill>
+                <a:latin typeface="Courier"/>
+                <a:ea typeface="Courier New"/>
+                <a:cs typeface="Courier"/>
+                <a:sym typeface="Courier New"/>
+              </a:rPr>
+              <a:t>κλειδί</a:t>
+            </a:r>
+            <a:r>
+              <a:rPr lang="en-US" sz="3000" i="0" u="none" strike="noStrike" cap="none" dirty="0">
+                <a:solidFill>
+                  <a:schemeClr val="lt1"/>
                 </a:solidFill>
                 <a:latin typeface="Courier"/>
                 <a:ea typeface="Courier New"/>
@@ -8961,123 +9101,7 @@
               <a:t>, </a:t>
             </a:r>
             <a:r>
-              <a:rPr lang="en-US" sz="3000" i="0" u="none" strike="noStrike" cap="none" dirty="0" err="1">
-                <a:solidFill>
-                  <a:srgbClr val="FF7F00"/>
-                </a:solidFill>
-                <a:latin typeface="Courier"/>
-                <a:ea typeface="Courier New"/>
-                <a:cs typeface="Courier"/>
-                <a:sym typeface="Courier New"/>
-              </a:rPr>
-              <a:t>kleidi</a:t>
-            </a:r>
-            <a:r>
-              <a:rPr lang="en-US" sz="3000" i="0" u="none" strike="noStrike" cap="none" dirty="0">
-                <a:solidFill>
-                  <a:schemeClr val="lt1"/>
-                </a:solidFill>
-                <a:latin typeface="Courier"/>
-                <a:ea typeface="Courier New"/>
-                <a:cs typeface="Courier"/>
-                <a:sym typeface="Courier New"/>
-              </a:rPr>
-              <a:t> </a:t>
-            </a:r>
-            <a:r>
-              <a:rPr lang="en-US" sz="3000" i="0" u="none" strike="noStrike" cap="none" dirty="0">
-                <a:solidFill>
-                  <a:srgbClr val="FFFF00"/>
-                </a:solidFill>
-                <a:latin typeface="Courier"/>
-                <a:ea typeface="Courier New"/>
-                <a:cs typeface="Courier"/>
-                <a:sym typeface="Courier New"/>
-              </a:rPr>
-              <a:t>in</a:t>
-            </a:r>
-            <a:r>
-              <a:rPr lang="en-US" sz="3000" i="0" u="none" strike="noStrike" cap="none" dirty="0">
-                <a:solidFill>
-                  <a:schemeClr val="lt1"/>
-                </a:solidFill>
-                <a:latin typeface="Courier"/>
-                <a:ea typeface="Courier New"/>
-                <a:cs typeface="Courier"/>
-                <a:sym typeface="Courier New"/>
-              </a:rPr>
-              <a:t> </a:t>
-            </a:r>
-            <a:r>
-              <a:rPr lang="en-US" sz="3000" i="0" u="none" strike="noStrike" cap="none" dirty="0" err="1">
-                <a:solidFill>
-                  <a:srgbClr val="FF00FF"/>
-                </a:solidFill>
-                <a:latin typeface="Courier"/>
-                <a:ea typeface="Courier New"/>
-                <a:cs typeface="Courier"/>
-                <a:sym typeface="Courier New"/>
-              </a:rPr>
-              <a:t>lst</a:t>
-            </a:r>
-            <a:r>
-              <a:rPr lang="en-US" sz="3000" i="0" u="none" strike="noStrike" cap="none" dirty="0">
-                <a:solidFill>
-                  <a:srgbClr val="00FFFF"/>
-                </a:solidFill>
-                <a:latin typeface="Courier"/>
-                <a:ea typeface="Courier New"/>
-                <a:cs typeface="Courier"/>
-                <a:sym typeface="Courier New"/>
-              </a:rPr>
-              <a:t>[:10]</a:t>
-            </a:r>
-            <a:r>
-              <a:rPr lang="en-US" sz="3000" i="0" u="none" strike="noStrike" cap="none" dirty="0">
-                <a:solidFill>
-                  <a:schemeClr val="lt1"/>
-                </a:solidFill>
-                <a:latin typeface="Courier"/>
-                <a:ea typeface="Courier New"/>
-                <a:cs typeface="Courier"/>
-                <a:sym typeface="Courier New"/>
-              </a:rPr>
-              <a:t> :</a:t>
-            </a:r>
-          </a:p>
-          <a:p>
-            <a:pPr lvl="0">
-              <a:buClr>
-                <a:schemeClr val="lt1"/>
-              </a:buClr>
-              <a:buSzPct val="25000"/>
-            </a:pPr>
-            <a:r>
-              <a:rPr lang="en-US" sz="3000" i="0" u="none" strike="noStrike" cap="none" dirty="0">
-                <a:solidFill>
-                  <a:schemeClr val="lt1"/>
-                </a:solidFill>
-                <a:latin typeface="Courier"/>
-                <a:ea typeface="Courier New"/>
-                <a:cs typeface="Courier"/>
-                <a:sym typeface="Courier New"/>
-              </a:rPr>
-              <a:t>    </a:t>
-            </a:r>
-            <a:r>
-              <a:rPr lang="en-US" sz="3000" i="0" u="none" strike="noStrike" cap="none" dirty="0">
-                <a:solidFill>
-                  <a:srgbClr val="FFFF00"/>
-                </a:solidFill>
-                <a:latin typeface="Courier"/>
-                <a:ea typeface="Courier New"/>
-                <a:cs typeface="Courier"/>
-                <a:sym typeface="Courier New"/>
-              </a:rPr>
-              <a:t>print(</a:t>
-            </a:r>
-            <a:r>
-              <a:rPr lang="en-US" sz="3000" i="0" u="none" strike="noStrike" cap="none" dirty="0" err="1">
+              <a:rPr lang="el-GR" sz="3000" i="0" u="none" strike="noStrike" cap="none" dirty="0">
                 <a:solidFill>
                   <a:srgbClr val="00FF00"/>
                 </a:solidFill>
@@ -9086,31 +9110,7 @@
                 <a:cs typeface="Courier"/>
                 <a:sym typeface="Courier New"/>
               </a:rPr>
-              <a:t>kleidi</a:t>
-            </a:r>
-            <a:r>
-              <a:rPr lang="en-US" sz="3000" i="0" u="none" strike="noStrike" cap="none" dirty="0">
-                <a:solidFill>
-                  <a:schemeClr val="lt1"/>
-                </a:solidFill>
-                <a:latin typeface="Courier"/>
-                <a:ea typeface="Courier New"/>
-                <a:cs typeface="Courier"/>
-                <a:sym typeface="Courier New"/>
-              </a:rPr>
-              <a:t>, </a:t>
-            </a:r>
-            <a:r>
-              <a:rPr lang="en-US" sz="3000" i="0" u="none" strike="noStrike" cap="none" dirty="0" err="1">
-                <a:solidFill>
-                  <a:srgbClr val="00FF00"/>
-                </a:solidFill>
-                <a:latin typeface="Courier"/>
-                <a:ea typeface="Courier New"/>
-                <a:cs typeface="Courier"/>
-                <a:sym typeface="Courier New"/>
-              </a:rPr>
-              <a:t>timi</a:t>
+              <a:t>τιμή</a:t>
             </a:r>
             <a:r>
               <a:rPr lang="en-US" sz="3000" dirty="0">
@@ -10802,6 +10802,39 @@
           </a:p>
         </p:txBody>
       </p:sp>
+      <p:pic>
+        <p:nvPicPr>
+          <p:cNvPr id="6" name="Shape 536">
+            <a:extLst>
+              <a:ext uri="{FF2B5EF4-FFF2-40B4-BE49-F238E27FC236}">
+                <a16:creationId xmlns:a16="http://schemas.microsoft.com/office/drawing/2014/main" id="{BE10AF01-D437-453D-BE38-BD03821DC145}"/>
+              </a:ext>
+            </a:extLst>
+          </p:cNvPr>
+          <p:cNvPicPr preferRelativeResize="0"/>
+          <p:nvPr/>
+        </p:nvPicPr>
+        <p:blipFill rotWithShape="1">
+          <a:blip r:embed="rId5">
+            <a:alphaModFix/>
+          </a:blip>
+          <a:srcRect/>
+          <a:stretch/>
+        </p:blipFill>
+        <p:spPr>
+          <a:xfrm>
+            <a:off x="643300" y="789709"/>
+            <a:ext cx="1024800" cy="1024800"/>
+          </a:xfrm>
+          <a:prstGeom prst="rect">
+            <a:avLst/>
+          </a:prstGeom>
+          <a:noFill/>
+          <a:ln>
+            <a:noFill/>
+          </a:ln>
+        </p:spPr>
+      </p:pic>
     </p:spTree>
   </p:cSld>
   <p:clrMapOvr>
@@ -14749,7 +14782,7 @@
               <a:t>(4, '</a:t>
             </a:r>
             <a:r>
-              <a:rPr lang="en-US" sz="3300" i="0" u="none" strike="noStrike" cap="none" dirty="0" err="1">
+              <a:rPr lang="el-GR" sz="3300" i="0" u="none" strike="noStrike" cap="none" dirty="0">
                 <a:solidFill>
                   <a:srgbClr val="FF7F00"/>
                 </a:solidFill>
@@ -14758,7 +14791,7 @@
                 <a:cs typeface="Courier"/>
                 <a:sym typeface="Courier New"/>
               </a:rPr>
-              <a:t>fred</a:t>
+              <a:t>Φώτης</a:t>
             </a:r>
             <a:r>
               <a:rPr lang="en-US" sz="3300" i="0" u="none" strike="noStrike" cap="none" dirty="0">
@@ -14857,16 +14890,16 @@
               <a:buNone/>
             </a:pPr>
             <a:r>
-              <a:rPr lang="en-US" sz="3300" i="0" u="none" strike="noStrike" cap="none" dirty="0" err="1">
-                <a:solidFill>
-                  <a:schemeClr val="lt1"/>
-                </a:solidFill>
-                <a:latin typeface="Courier"/>
-                <a:ea typeface="Courier New"/>
-                <a:cs typeface="Courier"/>
-                <a:sym typeface="Courier New"/>
-              </a:rPr>
-              <a:t>fred</a:t>
+              <a:rPr lang="el-GR" sz="3300" i="0" u="none" strike="noStrike" cap="none" dirty="0">
+                <a:solidFill>
+                  <a:schemeClr val="lt1"/>
+                </a:solidFill>
+                <a:latin typeface="Courier"/>
+                <a:ea typeface="Courier New"/>
+                <a:cs typeface="Courier"/>
+                <a:sym typeface="Courier New"/>
+              </a:rPr>
+              <a:t>Φώτης</a:t>
             </a:r>
             <a:endParaRPr lang="en-US" sz="3300" i="0" u="none" strike="noStrike" cap="none" dirty="0">
               <a:solidFill>

--- a/lectures3/gr/Pythonlearn-10-Tuples.pptx
+++ b/lectures3/gr/Pythonlearn-10-Tuples.pptx
@@ -565,41 +565,57 @@
           </a:bodyPr>
           <a:lstStyle/>
           <a:p>
-            <a:pPr marL="0" marR="0" lvl="0" indent="0" algn="l" rtl="0">
-              <a:spcBef>
-                <a:spcPts val="0"/>
-              </a:spcBef>
-              <a:buClr>
+            <a:pPr lvl="0">
+              <a:spcBef>
+                <a:spcPts val="0"/>
+              </a:spcBef>
+              <a:buNone/>
+            </a:pPr>
+            <a:r>
+              <a:rPr lang="el-GR" dirty="0">
+                <a:solidFill>
+                  <a:schemeClr val="dk2"/>
+                </a:solidFill>
+              </a:rPr>
+              <a:t>Σημείωση από τον </a:t>
+            </a:r>
+            <a:r>
+              <a:rPr lang="en-US" dirty="0">
+                <a:solidFill>
+                  <a:schemeClr val="dk2"/>
+                </a:solidFill>
+              </a:rPr>
+              <a:t> Chuck</a:t>
+            </a:r>
+            <a:r>
+              <a:rPr lang="el-GR" dirty="0">
+                <a:solidFill>
+                  <a:schemeClr val="dk2"/>
+                </a:solidFill>
+              </a:rPr>
+              <a:t>. Εάν χρησιμοποιείτε αυτό το υλικό, μπορείτε να αφαιρέσετε το λογότυπο UM και να το αντικαταστήσετε με το δικό σας, αλλά διατηρήστε το λογότυπο CC-BY στην πρώτη σελίδα καθώς την/τις σελίδα/</a:t>
+            </a:r>
+            <a:r>
+              <a:rPr lang="el-GR" dirty="0" err="1">
+                <a:solidFill>
+                  <a:schemeClr val="dk2"/>
+                </a:solidFill>
+              </a:rPr>
+              <a:t>ες</a:t>
+            </a:r>
+            <a:r>
+              <a:rPr lang="el-GR">
+                <a:solidFill>
+                  <a:schemeClr val="dk2"/>
+                </a:solidFill>
+              </a:rPr>
+              <a:t> αναγνώρισης.</a:t>
+            </a:r>
+            <a:endParaRPr lang="en-US" dirty="0">
+              <a:solidFill>
                 <a:schemeClr val="dk2"/>
-              </a:buClr>
-              <a:buSzPct val="25000"/>
-              <a:buFont typeface="Arial"/>
-              <a:buNone/>
-            </a:pPr>
-            <a:r>
-              <a:rPr lang="en-US" sz="1100" b="0" i="0" u="none" strike="noStrike" cap="none" dirty="0">
-                <a:solidFill>
-                  <a:schemeClr val="dk2"/>
-                </a:solidFill>
-              </a:rPr>
-              <a:t>Note from Chuck.  If you are using these materials, you can remove the UM logo and replace it with your own, but please retain the CC-BY logo on the first page as well as retain the acknowledgement</a:t>
-            </a:r>
-            <a:r>
-              <a:rPr lang="en-US" sz="1100" b="0" i="0" u="none" strike="noStrike" cap="none" baseline="0" dirty="0">
-                <a:solidFill>
-                  <a:schemeClr val="dk2"/>
-                </a:solidFill>
-              </a:rPr>
-              <a:t> </a:t>
-            </a:r>
-            <a:r>
-              <a:rPr lang="en-US" sz="1100" b="0" i="0" u="none" strike="noStrike" cap="none" dirty="0">
-                <a:solidFill>
-                  <a:schemeClr val="dk2"/>
-                </a:solidFill>
-              </a:rPr>
-              <a:t>page(s) at the end.</a:t>
-            </a:r>
+              </a:solidFill>
+            </a:endParaRPr>
           </a:p>
         </p:txBody>
       </p:sp>

--- a/lectures3/gr/Pythonlearn-10-Tuples.pptx
+++ b/lectures3/gr/Pythonlearn-10-Tuples.pptx
@@ -5105,7 +5105,7 @@
               <a:buNone/>
             </a:pPr>
             <a:r>
-              <a:rPr lang="el-GR" sz="7800" u="none" strike="noStrike" cap="none" dirty="0" err="1">
+              <a:rPr lang="el-GR" sz="7800" u="none" strike="noStrike" cap="none" dirty="0">
                 <a:solidFill>
                   <a:srgbClr val="FFD966"/>
                 </a:solidFill>
@@ -5114,19 +5114,7 @@
                 <a:cs typeface="Arial" charset="0"/>
                 <a:sym typeface="Cabin"/>
               </a:rPr>
-              <a:t>Ταξινομόντας</a:t>
-            </a:r>
-            <a:r>
-              <a:rPr lang="el-GR" sz="7800" u="none" strike="noStrike" cap="none" dirty="0">
-                <a:solidFill>
-                  <a:srgbClr val="FFD966"/>
-                </a:solidFill>
-                <a:latin typeface="Arial" charset="0"/>
-                <a:ea typeface="Arial" charset="0"/>
-                <a:cs typeface="Arial" charset="0"/>
-                <a:sym typeface="Cabin"/>
-              </a:rPr>
-              <a:t> Λίστες Πλειάδων</a:t>
+              <a:t>Ταξινομώντας Λίστες Πλειάδων</a:t>
             </a:r>
             <a:endParaRPr lang="en-US" sz="7800" u="none" strike="noStrike" cap="none" dirty="0">
               <a:solidFill>
@@ -9977,7 +9965,29 @@
                 <a:cs typeface="Arial" charset="0"/>
                 <a:sym typeface="Cabin"/>
               </a:rPr>
-              <a:t>λίστας</a:t>
+              <a:t>λίστας (</a:t>
+            </a:r>
+            <a:r>
+              <a:rPr lang="en-US" sz="3800" dirty="0">
+                <a:solidFill>
+                  <a:srgbClr val="00FF00"/>
+                </a:solidFill>
+                <a:latin typeface="Arial" charset="0"/>
+                <a:cs typeface="Arial" charset="0"/>
+                <a:sym typeface="Cabin"/>
+              </a:rPr>
+              <a:t>list comprehension</a:t>
+            </a:r>
+            <a:r>
+              <a:rPr lang="el-GR" sz="3800" dirty="0">
+                <a:solidFill>
+                  <a:srgbClr val="00FF00"/>
+                </a:solidFill>
+                <a:latin typeface="Arial" charset="0"/>
+                <a:cs typeface="Arial" charset="0"/>
+                <a:sym typeface="Cabin"/>
+              </a:rPr>
+              <a:t>)</a:t>
             </a:r>
             <a:r>
               <a:rPr lang="el-GR" sz="3800" u="none" strike="noStrike" cap="none" dirty="0">
